--- a/img/graphics.pptx
+++ b/img/graphics.pptx
@@ -11,6 +11,7 @@
     <p:sldId id="259" r:id="rId5"/>
     <p:sldId id="260" r:id="rId6"/>
     <p:sldId id="261" r:id="rId7"/>
+    <p:sldId id="262" r:id="rId8"/>
   </p:sldIdLst>
   <p:sldSz cx="6858000" cy="6858000"/>
   <p:notesSz cx="6858000" cy="9144000"/>
@@ -120,7 +121,7 @@
 <file path=ppt/revisionInfo.xml><?xml version="1.0" encoding="utf-8"?>
 <p1510:revInfo xmlns:a="http://schemas.openxmlformats.org/drawingml/2006/main" xmlns:r="http://schemas.openxmlformats.org/officeDocument/2006/relationships" xmlns:p1510="http://schemas.microsoft.com/office/powerpoint/2015/10/main">
   <p1510:revLst>
-    <p1510:client id="{83882230-A043-4E24-8FB6-2C81627A8FB5}" v="72" dt="2022-05-13T17:26:31.666"/>
+    <p1510:client id="{83882230-A043-4E24-8FB6-2C81627A8FB5}" v="79" dt="2022-06-07T17:54:48.142"/>
   </p1510:revLst>
 </p1510:revInfo>
 </file>
@@ -130,7 +131,7 @@
   <pc:docChgLst>
     <pc:chgData name="James Madden (Student)" userId="ff286c32-06bc-431e-99c4-3bafd8948ef0" providerId="ADAL" clId="{83882230-A043-4E24-8FB6-2C81627A8FB5}"/>
     <pc:docChg chg="undo custSel addSld modSld sldOrd">
-      <pc:chgData name="James Madden (Student)" userId="ff286c32-06bc-431e-99c4-3bafd8948ef0" providerId="ADAL" clId="{83882230-A043-4E24-8FB6-2C81627A8FB5}" dt="2022-05-13T17:31:45.228" v="535" actId="208"/>
+      <pc:chgData name="James Madden (Student)" userId="ff286c32-06bc-431e-99c4-3bafd8948ef0" providerId="ADAL" clId="{83882230-A043-4E24-8FB6-2C81627A8FB5}" dt="2022-06-07T17:56:13.205" v="565" actId="207"/>
       <pc:docMkLst>
         <pc:docMk/>
       </pc:docMkLst>
@@ -1172,6 +1173,109 @@
           <ac:cxnSpMkLst>
             <pc:docMk/>
             <pc:sldMk cId="3579757320" sldId="261"/>
+            <ac:cxnSpMk id="17" creationId="{794BF6AC-46C3-BF0B-2F85-76F7059C8A68}"/>
+          </ac:cxnSpMkLst>
+        </pc:cxnChg>
+      </pc:sldChg>
+      <pc:sldChg chg="addSp delSp modSp add mod">
+        <pc:chgData name="James Madden (Student)" userId="ff286c32-06bc-431e-99c4-3bafd8948ef0" providerId="ADAL" clId="{83882230-A043-4E24-8FB6-2C81627A8FB5}" dt="2022-06-07T17:56:13.205" v="565" actId="207"/>
+        <pc:sldMkLst>
+          <pc:docMk/>
+          <pc:sldMk cId="614565023" sldId="262"/>
+        </pc:sldMkLst>
+        <pc:spChg chg="add del mod">
+          <ac:chgData name="James Madden (Student)" userId="ff286c32-06bc-431e-99c4-3bafd8948ef0" providerId="ADAL" clId="{83882230-A043-4E24-8FB6-2C81627A8FB5}" dt="2022-06-07T17:54:00.670" v="549"/>
+          <ac:spMkLst>
+            <pc:docMk/>
+            <pc:sldMk cId="614565023" sldId="262"/>
+            <ac:spMk id="2" creationId="{083DEF54-0DC5-195F-7811-70740E69C7A1}"/>
+          </ac:spMkLst>
+        </pc:spChg>
+        <pc:spChg chg="add del mod">
+          <ac:chgData name="James Madden (Student)" userId="ff286c32-06bc-431e-99c4-3bafd8948ef0" providerId="ADAL" clId="{83882230-A043-4E24-8FB6-2C81627A8FB5}" dt="2022-06-07T17:54:00.670" v="549"/>
+          <ac:spMkLst>
+            <pc:docMk/>
+            <pc:sldMk cId="614565023" sldId="262"/>
+            <ac:spMk id="4" creationId="{A718149B-B13F-BD3C-71D0-58F200F3C255}"/>
+          </ac:spMkLst>
+        </pc:spChg>
+        <pc:spChg chg="del">
+          <ac:chgData name="James Madden (Student)" userId="ff286c32-06bc-431e-99c4-3bafd8948ef0" providerId="ADAL" clId="{83882230-A043-4E24-8FB6-2C81627A8FB5}" dt="2022-06-07T17:54:02.355" v="550" actId="478"/>
+          <ac:spMkLst>
+            <pc:docMk/>
+            <pc:sldMk cId="614565023" sldId="262"/>
+            <ac:spMk id="8" creationId="{3251D128-A80C-7197-46B2-A448DD31FC25}"/>
+          </ac:spMkLst>
+        </pc:spChg>
+        <pc:spChg chg="mod">
+          <ac:chgData name="James Madden (Student)" userId="ff286c32-06bc-431e-99c4-3bafd8948ef0" providerId="ADAL" clId="{83882230-A043-4E24-8FB6-2C81627A8FB5}" dt="2022-06-07T17:53:51.862" v="547"/>
+          <ac:spMkLst>
+            <pc:docMk/>
+            <pc:sldMk cId="614565023" sldId="262"/>
+            <ac:spMk id="9" creationId="{B2F1F71A-AE13-2BA8-233E-9BD2ED69E01B}"/>
+          </ac:spMkLst>
+        </pc:spChg>
+        <pc:spChg chg="mod">
+          <ac:chgData name="James Madden (Student)" userId="ff286c32-06bc-431e-99c4-3bafd8948ef0" providerId="ADAL" clId="{83882230-A043-4E24-8FB6-2C81627A8FB5}" dt="2022-06-07T17:56:13.205" v="565" actId="207"/>
+          <ac:spMkLst>
+            <pc:docMk/>
+            <pc:sldMk cId="614565023" sldId="262"/>
+            <ac:spMk id="10" creationId="{E993C678-40E1-9F30-2A6E-6A7CC0E2313B}"/>
+          </ac:spMkLst>
+        </pc:spChg>
+        <pc:picChg chg="add mod">
+          <ac:chgData name="James Madden (Student)" userId="ff286c32-06bc-431e-99c4-3bafd8948ef0" providerId="ADAL" clId="{83882230-A043-4E24-8FB6-2C81627A8FB5}" dt="2022-06-07T17:54:28.731" v="552" actId="27614"/>
+          <ac:picMkLst>
+            <pc:docMk/>
+            <pc:sldMk cId="614565023" sldId="262"/>
+            <ac:picMk id="6" creationId="{8FD46778-378B-8723-A151-80CA3F9C06D3}"/>
+          </ac:picMkLst>
+        </pc:picChg>
+        <pc:picChg chg="add mod">
+          <ac:chgData name="James Madden (Student)" userId="ff286c32-06bc-431e-99c4-3bafd8948ef0" providerId="ADAL" clId="{83882230-A043-4E24-8FB6-2C81627A8FB5}" dt="2022-06-07T17:54:34.778" v="556" actId="1076"/>
+          <ac:picMkLst>
+            <pc:docMk/>
+            <pc:sldMk cId="614565023" sldId="262"/>
+            <ac:picMk id="12" creationId="{43A2F85E-EBDC-A4BD-5256-7EB45FC2D3A6}"/>
+          </ac:picMkLst>
+        </pc:picChg>
+        <pc:picChg chg="add mod">
+          <ac:chgData name="James Madden (Student)" userId="ff286c32-06bc-431e-99c4-3bafd8948ef0" providerId="ADAL" clId="{83882230-A043-4E24-8FB6-2C81627A8FB5}" dt="2022-06-07T17:54:41.776" v="559" actId="1076"/>
+          <ac:picMkLst>
+            <pc:docMk/>
+            <pc:sldMk cId="614565023" sldId="262"/>
+            <ac:picMk id="14" creationId="{98698D7B-DD6D-4A14-0562-7E3497AD6756}"/>
+          </ac:picMkLst>
+        </pc:picChg>
+        <pc:picChg chg="add mod">
+          <ac:chgData name="James Madden (Student)" userId="ff286c32-06bc-431e-99c4-3bafd8948ef0" providerId="ADAL" clId="{83882230-A043-4E24-8FB6-2C81627A8FB5}" dt="2022-06-07T17:54:49.495" v="561" actId="1076"/>
+          <ac:picMkLst>
+            <pc:docMk/>
+            <pc:sldMk cId="614565023" sldId="262"/>
+            <ac:picMk id="16" creationId="{C0C2A995-98C3-3F28-3296-CBF8E552B89C}"/>
+          </ac:picMkLst>
+        </pc:picChg>
+        <pc:cxnChg chg="del mod">
+          <ac:chgData name="James Madden (Student)" userId="ff286c32-06bc-431e-99c4-3bafd8948ef0" providerId="ADAL" clId="{83882230-A043-4E24-8FB6-2C81627A8FB5}" dt="2022-06-07T17:52:33.080" v="537" actId="478"/>
+          <ac:cxnSpMkLst>
+            <pc:docMk/>
+            <pc:sldMk cId="614565023" sldId="262"/>
+            <ac:cxnSpMk id="3" creationId="{8738DDD1-1A96-5229-666E-04FEDF7783CC}"/>
+          </ac:cxnSpMkLst>
+        </pc:cxnChg>
+        <pc:cxnChg chg="del mod">
+          <ac:chgData name="James Madden (Student)" userId="ff286c32-06bc-431e-99c4-3bafd8948ef0" providerId="ADAL" clId="{83882230-A043-4E24-8FB6-2C81627A8FB5}" dt="2022-06-07T17:52:34.299" v="539" actId="478"/>
+          <ac:cxnSpMkLst>
+            <pc:docMk/>
+            <pc:sldMk cId="614565023" sldId="262"/>
+            <ac:cxnSpMk id="11" creationId="{7F448F1E-B23A-11E3-7654-0E2308EC2FEB}"/>
+          </ac:cxnSpMkLst>
+        </pc:cxnChg>
+        <pc:cxnChg chg="del mod">
+          <ac:chgData name="James Madden (Student)" userId="ff286c32-06bc-431e-99c4-3bafd8948ef0" providerId="ADAL" clId="{83882230-A043-4E24-8FB6-2C81627A8FB5}" dt="2022-06-07T17:52:33.565" v="538" actId="478"/>
+          <ac:cxnSpMkLst>
+            <pc:docMk/>
+            <pc:sldMk cId="614565023" sldId="262"/>
             <ac:cxnSpMk id="17" creationId="{794BF6AC-46C3-BF0B-2F85-76F7059C8A68}"/>
           </ac:cxnSpMkLst>
         </pc:cxnChg>
@@ -1312,7 +1416,7 @@
           <a:p>
             <a:fld id="{87192564-AF7F-4B01-88E1-752DF6157467}" type="datetimeFigureOut">
               <a:rPr lang="en-US" smtClean="0"/>
-              <a:t>5/13/2022</a:t>
+              <a:t>6/7/2022</a:t>
             </a:fld>
             <a:endParaRPr lang="en-US"/>
           </a:p>
@@ -1482,7 +1586,7 @@
           <a:p>
             <a:fld id="{87192564-AF7F-4B01-88E1-752DF6157467}" type="datetimeFigureOut">
               <a:rPr lang="en-US" smtClean="0"/>
-              <a:t>5/13/2022</a:t>
+              <a:t>6/7/2022</a:t>
             </a:fld>
             <a:endParaRPr lang="en-US"/>
           </a:p>
@@ -1662,7 +1766,7 @@
           <a:p>
             <a:fld id="{87192564-AF7F-4B01-88E1-752DF6157467}" type="datetimeFigureOut">
               <a:rPr lang="en-US" smtClean="0"/>
-              <a:t>5/13/2022</a:t>
+              <a:t>6/7/2022</a:t>
             </a:fld>
             <a:endParaRPr lang="en-US"/>
           </a:p>
@@ -1832,7 +1936,7 @@
           <a:p>
             <a:fld id="{87192564-AF7F-4B01-88E1-752DF6157467}" type="datetimeFigureOut">
               <a:rPr lang="en-US" smtClean="0"/>
-              <a:t>5/13/2022</a:t>
+              <a:t>6/7/2022</a:t>
             </a:fld>
             <a:endParaRPr lang="en-US"/>
           </a:p>
@@ -2076,7 +2180,7 @@
           <a:p>
             <a:fld id="{87192564-AF7F-4B01-88E1-752DF6157467}" type="datetimeFigureOut">
               <a:rPr lang="en-US" smtClean="0"/>
-              <a:t>5/13/2022</a:t>
+              <a:t>6/7/2022</a:t>
             </a:fld>
             <a:endParaRPr lang="en-US"/>
           </a:p>
@@ -2308,7 +2412,7 @@
           <a:p>
             <a:fld id="{87192564-AF7F-4B01-88E1-752DF6157467}" type="datetimeFigureOut">
               <a:rPr lang="en-US" smtClean="0"/>
-              <a:t>5/13/2022</a:t>
+              <a:t>6/7/2022</a:t>
             </a:fld>
             <a:endParaRPr lang="en-US"/>
           </a:p>
@@ -2675,7 +2779,7 @@
           <a:p>
             <a:fld id="{87192564-AF7F-4B01-88E1-752DF6157467}" type="datetimeFigureOut">
               <a:rPr lang="en-US" smtClean="0"/>
-              <a:t>5/13/2022</a:t>
+              <a:t>6/7/2022</a:t>
             </a:fld>
             <a:endParaRPr lang="en-US"/>
           </a:p>
@@ -2793,7 +2897,7 @@
           <a:p>
             <a:fld id="{87192564-AF7F-4B01-88E1-752DF6157467}" type="datetimeFigureOut">
               <a:rPr lang="en-US" smtClean="0"/>
-              <a:t>5/13/2022</a:t>
+              <a:t>6/7/2022</a:t>
             </a:fld>
             <a:endParaRPr lang="en-US"/>
           </a:p>
@@ -2888,7 +2992,7 @@
           <a:p>
             <a:fld id="{87192564-AF7F-4B01-88E1-752DF6157467}" type="datetimeFigureOut">
               <a:rPr lang="en-US" smtClean="0"/>
-              <a:t>5/13/2022</a:t>
+              <a:t>6/7/2022</a:t>
             </a:fld>
             <a:endParaRPr lang="en-US"/>
           </a:p>
@@ -3165,7 +3269,7 @@
           <a:p>
             <a:fld id="{87192564-AF7F-4B01-88E1-752DF6157467}" type="datetimeFigureOut">
               <a:rPr lang="en-US" smtClean="0"/>
-              <a:t>5/13/2022</a:t>
+              <a:t>6/7/2022</a:t>
             </a:fld>
             <a:endParaRPr lang="en-US"/>
           </a:p>
@@ -3422,7 +3526,7 @@
           <a:p>
             <a:fld id="{87192564-AF7F-4B01-88E1-752DF6157467}" type="datetimeFigureOut">
               <a:rPr lang="en-US" smtClean="0"/>
-              <a:t>5/13/2022</a:t>
+              <a:t>6/7/2022</a:t>
             </a:fld>
             <a:endParaRPr lang="en-US"/>
           </a:p>
@@ -3635,7 +3739,7 @@
           <a:p>
             <a:fld id="{87192564-AF7F-4B01-88E1-752DF6157467}" type="datetimeFigureOut">
               <a:rPr lang="en-US" smtClean="0"/>
-              <a:t>5/13/2022</a:t>
+              <a:t>6/7/2022</a:t>
             </a:fld>
             <a:endParaRPr lang="en-US"/>
           </a:p>
@@ -9039,6 +9143,285 @@
 </p:sld>
 </file>
 
+<file path=ppt/slides/slide7.xml><?xml version="1.0" encoding="utf-8"?>
+<p:sld xmlns:a="http://schemas.openxmlformats.org/drawingml/2006/main" xmlns:r="http://schemas.openxmlformats.org/officeDocument/2006/relationships" xmlns:p="http://schemas.openxmlformats.org/presentationml/2006/main">
+  <p:cSld>
+    <p:spTree>
+      <p:nvGrpSpPr>
+        <p:cNvPr id="1" name=""/>
+        <p:cNvGrpSpPr/>
+        <p:nvPr/>
+      </p:nvGrpSpPr>
+      <p:grpSpPr>
+        <a:xfrm>
+          <a:off x="0" y="0"/>
+          <a:ext cx="0" cy="0"/>
+          <a:chOff x="0" y="0"/>
+          <a:chExt cx="0" cy="0"/>
+        </a:xfrm>
+      </p:grpSpPr>
+      <p:sp>
+        <p:nvSpPr>
+          <p:cNvPr id="10" name="Freeform: Shape 9">
+            <a:extLst>
+              <a:ext uri="{FF2B5EF4-FFF2-40B4-BE49-F238E27FC236}">
+                <a16:creationId xmlns:a16="http://schemas.microsoft.com/office/drawing/2014/main" id="{E993C678-40E1-9F30-2A6E-6A7CC0E2313B}"/>
+              </a:ext>
+            </a:extLst>
+          </p:cNvPr>
+          <p:cNvSpPr/>
+          <p:nvPr/>
+        </p:nvSpPr>
+        <p:spPr>
+          <a:xfrm>
+            <a:off x="2104222" y="2021199"/>
+            <a:ext cx="506776" cy="650788"/>
+          </a:xfrm>
+          <a:custGeom>
+            <a:avLst/>
+            <a:gdLst>
+              <a:gd name="connsiteX0" fmla="*/ 253388 w 506776"/>
+              <a:gd name="connsiteY0" fmla="*/ 0 h 650788"/>
+              <a:gd name="connsiteX1" fmla="*/ 506776 w 506776"/>
+              <a:gd name="connsiteY1" fmla="*/ 325394 h 650788"/>
+              <a:gd name="connsiteX2" fmla="*/ 506776 w 506776"/>
+              <a:gd name="connsiteY2" fmla="*/ 650788 h 650788"/>
+              <a:gd name="connsiteX3" fmla="*/ 0 w 506776"/>
+              <a:gd name="connsiteY3" fmla="*/ 650788 h 650788"/>
+              <a:gd name="connsiteX4" fmla="*/ 0 w 506776"/>
+              <a:gd name="connsiteY4" fmla="*/ 325394 h 650788"/>
+            </a:gdLst>
+            <a:ahLst/>
+            <a:cxnLst>
+              <a:cxn ang="0">
+                <a:pos x="connsiteX0" y="connsiteY0"/>
+              </a:cxn>
+              <a:cxn ang="0">
+                <a:pos x="connsiteX1" y="connsiteY1"/>
+              </a:cxn>
+              <a:cxn ang="0">
+                <a:pos x="connsiteX2" y="connsiteY2"/>
+              </a:cxn>
+              <a:cxn ang="0">
+                <a:pos x="connsiteX3" y="connsiteY3"/>
+              </a:cxn>
+              <a:cxn ang="0">
+                <a:pos x="connsiteX4" y="connsiteY4"/>
+              </a:cxn>
+            </a:cxnLst>
+            <a:rect l="l" t="t" r="r" b="b"/>
+            <a:pathLst>
+              <a:path w="506776" h="650788">
+                <a:moveTo>
+                  <a:pt x="253388" y="0"/>
+                </a:moveTo>
+                <a:lnTo>
+                  <a:pt x="506776" y="325394"/>
+                </a:lnTo>
+                <a:lnTo>
+                  <a:pt x="506776" y="650788"/>
+                </a:lnTo>
+                <a:lnTo>
+                  <a:pt x="0" y="650788"/>
+                </a:lnTo>
+                <a:lnTo>
+                  <a:pt x="0" y="325394"/>
+                </a:lnTo>
+                <a:close/>
+              </a:path>
+            </a:pathLst>
+          </a:custGeom>
+          <a:solidFill>
+            <a:srgbClr val="6D4C41"/>
+          </a:solidFill>
+          <a:ln>
+            <a:noFill/>
+          </a:ln>
+        </p:spPr>
+        <p:style>
+          <a:lnRef idx="2">
+            <a:schemeClr val="accent1">
+              <a:shade val="50000"/>
+            </a:schemeClr>
+          </a:lnRef>
+          <a:fillRef idx="1">
+            <a:schemeClr val="accent1"/>
+          </a:fillRef>
+          <a:effectRef idx="0">
+            <a:schemeClr val="accent1"/>
+          </a:effectRef>
+          <a:fontRef idx="minor">
+            <a:schemeClr val="lt1"/>
+          </a:fontRef>
+        </p:style>
+        <p:txBody>
+          <a:bodyPr wrap="square" rtlCol="0" anchor="ctr">
+            <a:noAutofit/>
+          </a:bodyPr>
+          <a:lstStyle/>
+          <a:p>
+            <a:pPr algn="ctr"/>
+            <a:endParaRPr lang="en-US"/>
+          </a:p>
+        </p:txBody>
+      </p:sp>
+      <p:pic>
+        <p:nvPicPr>
+          <p:cNvPr id="6" name="Picture 5" descr="Shape, arrow&#10;&#10;Description automatically generated">
+            <a:extLst>
+              <a:ext uri="{FF2B5EF4-FFF2-40B4-BE49-F238E27FC236}">
+                <a16:creationId xmlns:a16="http://schemas.microsoft.com/office/drawing/2014/main" id="{8FD46778-378B-8723-A151-80CA3F9C06D3}"/>
+              </a:ext>
+            </a:extLst>
+          </p:cNvPr>
+          <p:cNvPicPr>
+            <a:picLocks noChangeAspect="1"/>
+          </p:cNvPicPr>
+          <p:nvPr/>
+        </p:nvPicPr>
+        <p:blipFill>
+          <a:blip r:embed="rId2">
+            <a:extLst>
+              <a:ext uri="{28A0092B-C50C-407E-A947-70E740481C1C}">
+                <a14:useLocalDpi xmlns:a14="http://schemas.microsoft.com/office/drawing/2010/main" val="0"/>
+              </a:ext>
+            </a:extLst>
+          </a:blip>
+          <a:stretch>
+            <a:fillRect/>
+          </a:stretch>
+        </p:blipFill>
+        <p:spPr>
+          <a:xfrm>
+            <a:off x="2734880" y="3014745"/>
+            <a:ext cx="1388239" cy="828510"/>
+          </a:xfrm>
+          <a:prstGeom prst="rect">
+            <a:avLst/>
+          </a:prstGeom>
+        </p:spPr>
+      </p:pic>
+      <p:pic>
+        <p:nvPicPr>
+          <p:cNvPr id="12" name="Picture 11" descr="Shape, arrow&#10;&#10;Description automatically generated">
+            <a:extLst>
+              <a:ext uri="{FF2B5EF4-FFF2-40B4-BE49-F238E27FC236}">
+                <a16:creationId xmlns:a16="http://schemas.microsoft.com/office/drawing/2014/main" id="{43A2F85E-EBDC-A4BD-5256-7EB45FC2D3A6}"/>
+              </a:ext>
+            </a:extLst>
+          </p:cNvPr>
+          <p:cNvPicPr>
+            <a:picLocks noChangeAspect="1"/>
+          </p:cNvPicPr>
+          <p:nvPr/>
+        </p:nvPicPr>
+        <p:blipFill>
+          <a:blip r:embed="rId3">
+            <a:extLst>
+              <a:ext uri="{28A0092B-C50C-407E-A947-70E740481C1C}">
+                <a14:useLocalDpi xmlns:a14="http://schemas.microsoft.com/office/drawing/2010/main" val="0"/>
+              </a:ext>
+            </a:extLst>
+          </a:blip>
+          <a:stretch>
+            <a:fillRect/>
+          </a:stretch>
+        </p:blipFill>
+        <p:spPr>
+          <a:xfrm>
+            <a:off x="4937060" y="2021199"/>
+            <a:ext cx="1388239" cy="828510"/>
+          </a:xfrm>
+          <a:prstGeom prst="rect">
+            <a:avLst/>
+          </a:prstGeom>
+        </p:spPr>
+      </p:pic>
+      <p:pic>
+        <p:nvPicPr>
+          <p:cNvPr id="14" name="Picture 13" descr="A picture containing shape&#10;&#10;Description automatically generated">
+            <a:extLst>
+              <a:ext uri="{FF2B5EF4-FFF2-40B4-BE49-F238E27FC236}">
+                <a16:creationId xmlns:a16="http://schemas.microsoft.com/office/drawing/2014/main" id="{98698D7B-DD6D-4A14-0562-7E3497AD6756}"/>
+              </a:ext>
+            </a:extLst>
+          </p:cNvPr>
+          <p:cNvPicPr>
+            <a:picLocks noChangeAspect="1"/>
+          </p:cNvPicPr>
+          <p:nvPr/>
+        </p:nvPicPr>
+        <p:blipFill>
+          <a:blip r:embed="rId4">
+            <a:extLst>
+              <a:ext uri="{28A0092B-C50C-407E-A947-70E740481C1C}">
+                <a14:useLocalDpi xmlns:a14="http://schemas.microsoft.com/office/drawing/2010/main" val="0"/>
+              </a:ext>
+            </a:extLst>
+          </a:blip>
+          <a:stretch>
+            <a:fillRect/>
+          </a:stretch>
+        </p:blipFill>
+        <p:spPr>
+          <a:xfrm>
+            <a:off x="5295200" y="3654825"/>
+            <a:ext cx="1388239" cy="828510"/>
+          </a:xfrm>
+          <a:prstGeom prst="rect">
+            <a:avLst/>
+          </a:prstGeom>
+        </p:spPr>
+      </p:pic>
+      <p:pic>
+        <p:nvPicPr>
+          <p:cNvPr id="16" name="Picture 15">
+            <a:extLst>
+              <a:ext uri="{FF2B5EF4-FFF2-40B4-BE49-F238E27FC236}">
+                <a16:creationId xmlns:a16="http://schemas.microsoft.com/office/drawing/2014/main" id="{C0C2A995-98C3-3F28-3296-CBF8E552B89C}"/>
+              </a:ext>
+            </a:extLst>
+          </p:cNvPr>
+          <p:cNvPicPr>
+            <a:picLocks noChangeAspect="1"/>
+          </p:cNvPicPr>
+          <p:nvPr/>
+        </p:nvPicPr>
+        <p:blipFill>
+          <a:blip r:embed="rId5">
+            <a:extLst>
+              <a:ext uri="{28A0092B-C50C-407E-A947-70E740481C1C}">
+                <a14:useLocalDpi xmlns:a14="http://schemas.microsoft.com/office/drawing/2010/main" val="0"/>
+              </a:ext>
+            </a:extLst>
+          </a:blip>
+          <a:stretch>
+            <a:fillRect/>
+          </a:stretch>
+        </p:blipFill>
+        <p:spPr>
+          <a:xfrm>
+            <a:off x="3153980" y="4069080"/>
+            <a:ext cx="1388239" cy="828510"/>
+          </a:xfrm>
+          <a:prstGeom prst="rect">
+            <a:avLst/>
+          </a:prstGeom>
+        </p:spPr>
+      </p:pic>
+    </p:spTree>
+    <p:extLst>
+      <p:ext uri="{BB962C8B-B14F-4D97-AF65-F5344CB8AC3E}">
+        <p14:creationId xmlns:p14="http://schemas.microsoft.com/office/powerpoint/2010/main" val="614565023"/>
+      </p:ext>
+    </p:extLst>
+  </p:cSld>
+  <p:clrMapOvr>
+    <a:masterClrMapping/>
+  </p:clrMapOvr>
+</p:sld>
+</file>
+
 <file path=ppt/theme/theme1.xml><?xml version="1.0" encoding="utf-8"?>
 <a:theme xmlns:a="http://schemas.openxmlformats.org/drawingml/2006/main" name="Office Theme">
   <a:themeElements>

--- a/img/graphics.pptx
+++ b/img/graphics.pptx
@@ -121,7 +121,7 @@
 <file path=ppt/revisionInfo.xml><?xml version="1.0" encoding="utf-8"?>
 <p1510:revInfo xmlns:a="http://schemas.openxmlformats.org/drawingml/2006/main" xmlns:r="http://schemas.openxmlformats.org/officeDocument/2006/relationships" xmlns:p1510="http://schemas.microsoft.com/office/powerpoint/2015/10/main">
   <p1510:revLst>
-    <p1510:client id="{83882230-A043-4E24-8FB6-2C81627A8FB5}" v="79" dt="2022-06-07T17:54:48.142"/>
+    <p1510:client id="{83882230-A043-4E24-8FB6-2C81627A8FB5}" v="81" dt="2022-06-07T18:21:56.693"/>
   </p1510:revLst>
 </p1510:revInfo>
 </file>
@@ -131,7 +131,7 @@
   <pc:docChgLst>
     <pc:chgData name="James Madden (Student)" userId="ff286c32-06bc-431e-99c4-3bafd8948ef0" providerId="ADAL" clId="{83882230-A043-4E24-8FB6-2C81627A8FB5}"/>
     <pc:docChg chg="undo custSel addSld modSld sldOrd">
-      <pc:chgData name="James Madden (Student)" userId="ff286c32-06bc-431e-99c4-3bafd8948ef0" providerId="ADAL" clId="{83882230-A043-4E24-8FB6-2C81627A8FB5}" dt="2022-06-07T17:56:13.205" v="565" actId="207"/>
+      <pc:chgData name="James Madden (Student)" userId="ff286c32-06bc-431e-99c4-3bafd8948ef0" providerId="ADAL" clId="{83882230-A043-4E24-8FB6-2C81627A8FB5}" dt="2022-06-07T18:22:00.976" v="571" actId="1076"/>
       <pc:docMkLst>
         <pc:docMk/>
       </pc:docMkLst>
@@ -1178,7 +1178,7 @@
         </pc:cxnChg>
       </pc:sldChg>
       <pc:sldChg chg="addSp delSp modSp add mod">
-        <pc:chgData name="James Madden (Student)" userId="ff286c32-06bc-431e-99c4-3bafd8948ef0" providerId="ADAL" clId="{83882230-A043-4E24-8FB6-2C81627A8FB5}" dt="2022-06-07T17:56:13.205" v="565" actId="207"/>
+        <pc:chgData name="James Madden (Student)" userId="ff286c32-06bc-431e-99c4-3bafd8948ef0" providerId="ADAL" clId="{83882230-A043-4E24-8FB6-2C81627A8FB5}" dt="2022-06-07T18:22:00.976" v="571" actId="1076"/>
         <pc:sldMkLst>
           <pc:docMk/>
           <pc:sldMk cId="614565023" sldId="262"/>
@@ -1199,6 +1199,14 @@
             <ac:spMk id="4" creationId="{A718149B-B13F-BD3C-71D0-58F200F3C255}"/>
           </ac:spMkLst>
         </pc:spChg>
+        <pc:spChg chg="add mod">
+          <ac:chgData name="James Madden (Student)" userId="ff286c32-06bc-431e-99c4-3bafd8948ef0" providerId="ADAL" clId="{83882230-A043-4E24-8FB6-2C81627A8FB5}" dt="2022-06-07T18:21:31.936" v="567" actId="1076"/>
+          <ac:spMkLst>
+            <pc:docMk/>
+            <pc:sldMk cId="614565023" sldId="262"/>
+            <ac:spMk id="7" creationId="{86035A03-A1DE-E2A6-D9C2-8F966D55E747}"/>
+          </ac:spMkLst>
+        </pc:spChg>
         <pc:spChg chg="del">
           <ac:chgData name="James Madden (Student)" userId="ff286c32-06bc-431e-99c4-3bafd8948ef0" providerId="ADAL" clId="{83882230-A043-4E24-8FB6-2C81627A8FB5}" dt="2022-06-07T17:54:02.355" v="550" actId="478"/>
           <ac:spMkLst>
@@ -1207,6 +1215,14 @@
             <ac:spMk id="8" creationId="{3251D128-A80C-7197-46B2-A448DD31FC25}"/>
           </ac:spMkLst>
         </pc:spChg>
+        <pc:spChg chg="add mod">
+          <ac:chgData name="James Madden (Student)" userId="ff286c32-06bc-431e-99c4-3bafd8948ef0" providerId="ADAL" clId="{83882230-A043-4E24-8FB6-2C81627A8FB5}" dt="2022-06-07T18:22:00.976" v="571" actId="1076"/>
+          <ac:spMkLst>
+            <pc:docMk/>
+            <pc:sldMk cId="614565023" sldId="262"/>
+            <ac:spMk id="8" creationId="{E4132C48-98F7-39A7-1EA8-1A955E61610E}"/>
+          </ac:spMkLst>
+        </pc:spChg>
         <pc:spChg chg="mod">
           <ac:chgData name="James Madden (Student)" userId="ff286c32-06bc-431e-99c4-3bafd8948ef0" providerId="ADAL" clId="{83882230-A043-4E24-8FB6-2C81627A8FB5}" dt="2022-06-07T17:53:51.862" v="547"/>
           <ac:spMkLst>
@@ -1215,8 +1231,8 @@
             <ac:spMk id="9" creationId="{B2F1F71A-AE13-2BA8-233E-9BD2ED69E01B}"/>
           </ac:spMkLst>
         </pc:spChg>
-        <pc:spChg chg="mod">
-          <ac:chgData name="James Madden (Student)" userId="ff286c32-06bc-431e-99c4-3bafd8948ef0" providerId="ADAL" clId="{83882230-A043-4E24-8FB6-2C81627A8FB5}" dt="2022-06-07T17:56:13.205" v="565" actId="207"/>
+        <pc:spChg chg="mod ord">
+          <ac:chgData name="James Madden (Student)" userId="ff286c32-06bc-431e-99c4-3bafd8948ef0" providerId="ADAL" clId="{83882230-A043-4E24-8FB6-2C81627A8FB5}" dt="2022-06-07T18:21:39.261" v="569" actId="166"/>
           <ac:spMkLst>
             <pc:docMk/>
             <pc:sldMk cId="614565023" sldId="262"/>
@@ -9160,111 +9176,6 @@
           <a:chExt cx="0" cy="0"/>
         </a:xfrm>
       </p:grpSpPr>
-      <p:sp>
-        <p:nvSpPr>
-          <p:cNvPr id="10" name="Freeform: Shape 9">
-            <a:extLst>
-              <a:ext uri="{FF2B5EF4-FFF2-40B4-BE49-F238E27FC236}">
-                <a16:creationId xmlns:a16="http://schemas.microsoft.com/office/drawing/2014/main" id="{E993C678-40E1-9F30-2A6E-6A7CC0E2313B}"/>
-              </a:ext>
-            </a:extLst>
-          </p:cNvPr>
-          <p:cNvSpPr/>
-          <p:nvPr/>
-        </p:nvSpPr>
-        <p:spPr>
-          <a:xfrm>
-            <a:off x="2104222" y="2021199"/>
-            <a:ext cx="506776" cy="650788"/>
-          </a:xfrm>
-          <a:custGeom>
-            <a:avLst/>
-            <a:gdLst>
-              <a:gd name="connsiteX0" fmla="*/ 253388 w 506776"/>
-              <a:gd name="connsiteY0" fmla="*/ 0 h 650788"/>
-              <a:gd name="connsiteX1" fmla="*/ 506776 w 506776"/>
-              <a:gd name="connsiteY1" fmla="*/ 325394 h 650788"/>
-              <a:gd name="connsiteX2" fmla="*/ 506776 w 506776"/>
-              <a:gd name="connsiteY2" fmla="*/ 650788 h 650788"/>
-              <a:gd name="connsiteX3" fmla="*/ 0 w 506776"/>
-              <a:gd name="connsiteY3" fmla="*/ 650788 h 650788"/>
-              <a:gd name="connsiteX4" fmla="*/ 0 w 506776"/>
-              <a:gd name="connsiteY4" fmla="*/ 325394 h 650788"/>
-            </a:gdLst>
-            <a:ahLst/>
-            <a:cxnLst>
-              <a:cxn ang="0">
-                <a:pos x="connsiteX0" y="connsiteY0"/>
-              </a:cxn>
-              <a:cxn ang="0">
-                <a:pos x="connsiteX1" y="connsiteY1"/>
-              </a:cxn>
-              <a:cxn ang="0">
-                <a:pos x="connsiteX2" y="connsiteY2"/>
-              </a:cxn>
-              <a:cxn ang="0">
-                <a:pos x="connsiteX3" y="connsiteY3"/>
-              </a:cxn>
-              <a:cxn ang="0">
-                <a:pos x="connsiteX4" y="connsiteY4"/>
-              </a:cxn>
-            </a:cxnLst>
-            <a:rect l="l" t="t" r="r" b="b"/>
-            <a:pathLst>
-              <a:path w="506776" h="650788">
-                <a:moveTo>
-                  <a:pt x="253388" y="0"/>
-                </a:moveTo>
-                <a:lnTo>
-                  <a:pt x="506776" y="325394"/>
-                </a:lnTo>
-                <a:lnTo>
-                  <a:pt x="506776" y="650788"/>
-                </a:lnTo>
-                <a:lnTo>
-                  <a:pt x="0" y="650788"/>
-                </a:lnTo>
-                <a:lnTo>
-                  <a:pt x="0" y="325394"/>
-                </a:lnTo>
-                <a:close/>
-              </a:path>
-            </a:pathLst>
-          </a:custGeom>
-          <a:solidFill>
-            <a:srgbClr val="6D4C41"/>
-          </a:solidFill>
-          <a:ln>
-            <a:noFill/>
-          </a:ln>
-        </p:spPr>
-        <p:style>
-          <a:lnRef idx="2">
-            <a:schemeClr val="accent1">
-              <a:shade val="50000"/>
-            </a:schemeClr>
-          </a:lnRef>
-          <a:fillRef idx="1">
-            <a:schemeClr val="accent1"/>
-          </a:fillRef>
-          <a:effectRef idx="0">
-            <a:schemeClr val="accent1"/>
-          </a:effectRef>
-          <a:fontRef idx="minor">
-            <a:schemeClr val="lt1"/>
-          </a:fontRef>
-        </p:style>
-        <p:txBody>
-          <a:bodyPr wrap="square" rtlCol="0" anchor="ctr">
-            <a:noAutofit/>
-          </a:bodyPr>
-          <a:lstStyle/>
-          <a:p>
-            <a:pPr algn="ctr"/>
-            <a:endParaRPr lang="en-US"/>
-          </a:p>
-        </p:txBody>
-      </p:sp>
       <p:pic>
         <p:nvPicPr>
           <p:cNvPr id="6" name="Picture 5" descr="Shape, arrow&#10;&#10;Description automatically generated">
@@ -9409,6 +9320,270 @@
           </a:prstGeom>
         </p:spPr>
       </p:pic>
+      <p:sp>
+        <p:nvSpPr>
+          <p:cNvPr id="7" name="Hexagon 6">
+            <a:extLst>
+              <a:ext uri="{FF2B5EF4-FFF2-40B4-BE49-F238E27FC236}">
+                <a16:creationId xmlns:a16="http://schemas.microsoft.com/office/drawing/2014/main" id="{86035A03-A1DE-E2A6-D9C2-8F966D55E747}"/>
+              </a:ext>
+            </a:extLst>
+          </p:cNvPr>
+          <p:cNvSpPr/>
+          <p:nvPr/>
+        </p:nvSpPr>
+        <p:spPr>
+          <a:xfrm rot="16200000">
+            <a:off x="1931670" y="2209800"/>
+            <a:ext cx="2819400" cy="2438400"/>
+          </a:xfrm>
+          <a:prstGeom prst="hexagon">
+            <a:avLst/>
+          </a:prstGeom>
+          <a:solidFill>
+            <a:srgbClr val="FFF176"/>
+          </a:solidFill>
+          <a:ln w="76200">
+            <a:solidFill>
+              <a:srgbClr val="FDD835"/>
+            </a:solidFill>
+          </a:ln>
+        </p:spPr>
+        <p:style>
+          <a:lnRef idx="2">
+            <a:schemeClr val="accent1">
+              <a:shade val="50000"/>
+            </a:schemeClr>
+          </a:lnRef>
+          <a:fillRef idx="1">
+            <a:schemeClr val="accent1"/>
+          </a:fillRef>
+          <a:effectRef idx="0">
+            <a:schemeClr val="accent1"/>
+          </a:effectRef>
+          <a:fontRef idx="minor">
+            <a:schemeClr val="lt1"/>
+          </a:fontRef>
+        </p:style>
+        <p:txBody>
+          <a:bodyPr rtlCol="0" anchor="ctr"/>
+          <a:lstStyle/>
+          <a:p>
+            <a:pPr algn="ctr"/>
+            <a:endParaRPr lang="en-US"/>
+          </a:p>
+        </p:txBody>
+      </p:sp>
+      <p:sp>
+        <p:nvSpPr>
+          <p:cNvPr id="10" name="Freeform: Shape 9">
+            <a:extLst>
+              <a:ext uri="{FF2B5EF4-FFF2-40B4-BE49-F238E27FC236}">
+                <a16:creationId xmlns:a16="http://schemas.microsoft.com/office/drawing/2014/main" id="{E993C678-40E1-9F30-2A6E-6A7CC0E2313B}"/>
+              </a:ext>
+            </a:extLst>
+          </p:cNvPr>
+          <p:cNvSpPr/>
+          <p:nvPr/>
+        </p:nvSpPr>
+        <p:spPr>
+          <a:xfrm>
+            <a:off x="1949985" y="2019299"/>
+            <a:ext cx="506776" cy="650788"/>
+          </a:xfrm>
+          <a:custGeom>
+            <a:avLst/>
+            <a:gdLst>
+              <a:gd name="connsiteX0" fmla="*/ 253388 w 506776"/>
+              <a:gd name="connsiteY0" fmla="*/ 0 h 650788"/>
+              <a:gd name="connsiteX1" fmla="*/ 506776 w 506776"/>
+              <a:gd name="connsiteY1" fmla="*/ 325394 h 650788"/>
+              <a:gd name="connsiteX2" fmla="*/ 506776 w 506776"/>
+              <a:gd name="connsiteY2" fmla="*/ 650788 h 650788"/>
+              <a:gd name="connsiteX3" fmla="*/ 0 w 506776"/>
+              <a:gd name="connsiteY3" fmla="*/ 650788 h 650788"/>
+              <a:gd name="connsiteX4" fmla="*/ 0 w 506776"/>
+              <a:gd name="connsiteY4" fmla="*/ 325394 h 650788"/>
+            </a:gdLst>
+            <a:ahLst/>
+            <a:cxnLst>
+              <a:cxn ang="0">
+                <a:pos x="connsiteX0" y="connsiteY0"/>
+              </a:cxn>
+              <a:cxn ang="0">
+                <a:pos x="connsiteX1" y="connsiteY1"/>
+              </a:cxn>
+              <a:cxn ang="0">
+                <a:pos x="connsiteX2" y="connsiteY2"/>
+              </a:cxn>
+              <a:cxn ang="0">
+                <a:pos x="connsiteX3" y="connsiteY3"/>
+              </a:cxn>
+              <a:cxn ang="0">
+                <a:pos x="connsiteX4" y="connsiteY4"/>
+              </a:cxn>
+            </a:cxnLst>
+            <a:rect l="l" t="t" r="r" b="b"/>
+            <a:pathLst>
+              <a:path w="506776" h="650788">
+                <a:moveTo>
+                  <a:pt x="253388" y="0"/>
+                </a:moveTo>
+                <a:lnTo>
+                  <a:pt x="506776" y="325394"/>
+                </a:lnTo>
+                <a:lnTo>
+                  <a:pt x="506776" y="650788"/>
+                </a:lnTo>
+                <a:lnTo>
+                  <a:pt x="0" y="650788"/>
+                </a:lnTo>
+                <a:lnTo>
+                  <a:pt x="0" y="325394"/>
+                </a:lnTo>
+                <a:close/>
+              </a:path>
+            </a:pathLst>
+          </a:custGeom>
+          <a:solidFill>
+            <a:srgbClr val="6D4C41"/>
+          </a:solidFill>
+          <a:ln>
+            <a:noFill/>
+          </a:ln>
+        </p:spPr>
+        <p:style>
+          <a:lnRef idx="2">
+            <a:schemeClr val="accent1">
+              <a:shade val="50000"/>
+            </a:schemeClr>
+          </a:lnRef>
+          <a:fillRef idx="1">
+            <a:schemeClr val="accent1"/>
+          </a:fillRef>
+          <a:effectRef idx="0">
+            <a:schemeClr val="accent1"/>
+          </a:effectRef>
+          <a:fontRef idx="minor">
+            <a:schemeClr val="lt1"/>
+          </a:fontRef>
+        </p:style>
+        <p:txBody>
+          <a:bodyPr wrap="square" rtlCol="0" anchor="ctr">
+            <a:noAutofit/>
+          </a:bodyPr>
+          <a:lstStyle/>
+          <a:p>
+            <a:pPr algn="ctr"/>
+            <a:endParaRPr lang="en-US"/>
+          </a:p>
+        </p:txBody>
+      </p:sp>
+      <p:sp>
+        <p:nvSpPr>
+          <p:cNvPr id="8" name="Freeform: Shape 7">
+            <a:extLst>
+              <a:ext uri="{FF2B5EF4-FFF2-40B4-BE49-F238E27FC236}">
+                <a16:creationId xmlns:a16="http://schemas.microsoft.com/office/drawing/2014/main" id="{E4132C48-98F7-39A7-1EA8-1A955E61610E}"/>
+              </a:ext>
+            </a:extLst>
+          </p:cNvPr>
+          <p:cNvSpPr/>
+          <p:nvPr/>
+        </p:nvSpPr>
+        <p:spPr>
+          <a:xfrm>
+            <a:off x="3087981" y="1664461"/>
+            <a:ext cx="506776" cy="650788"/>
+          </a:xfrm>
+          <a:custGeom>
+            <a:avLst/>
+            <a:gdLst>
+              <a:gd name="connsiteX0" fmla="*/ 253388 w 506776"/>
+              <a:gd name="connsiteY0" fmla="*/ 0 h 650788"/>
+              <a:gd name="connsiteX1" fmla="*/ 506776 w 506776"/>
+              <a:gd name="connsiteY1" fmla="*/ 325394 h 650788"/>
+              <a:gd name="connsiteX2" fmla="*/ 506776 w 506776"/>
+              <a:gd name="connsiteY2" fmla="*/ 650788 h 650788"/>
+              <a:gd name="connsiteX3" fmla="*/ 0 w 506776"/>
+              <a:gd name="connsiteY3" fmla="*/ 650788 h 650788"/>
+              <a:gd name="connsiteX4" fmla="*/ 0 w 506776"/>
+              <a:gd name="connsiteY4" fmla="*/ 325394 h 650788"/>
+            </a:gdLst>
+            <a:ahLst/>
+            <a:cxnLst>
+              <a:cxn ang="0">
+                <a:pos x="connsiteX0" y="connsiteY0"/>
+              </a:cxn>
+              <a:cxn ang="0">
+                <a:pos x="connsiteX1" y="connsiteY1"/>
+              </a:cxn>
+              <a:cxn ang="0">
+                <a:pos x="connsiteX2" y="connsiteY2"/>
+              </a:cxn>
+              <a:cxn ang="0">
+                <a:pos x="connsiteX3" y="connsiteY3"/>
+              </a:cxn>
+              <a:cxn ang="0">
+                <a:pos x="connsiteX4" y="connsiteY4"/>
+              </a:cxn>
+            </a:cxnLst>
+            <a:rect l="l" t="t" r="r" b="b"/>
+            <a:pathLst>
+              <a:path w="506776" h="650788">
+                <a:moveTo>
+                  <a:pt x="253388" y="0"/>
+                </a:moveTo>
+                <a:lnTo>
+                  <a:pt x="506776" y="325394"/>
+                </a:lnTo>
+                <a:lnTo>
+                  <a:pt x="506776" y="650788"/>
+                </a:lnTo>
+                <a:lnTo>
+                  <a:pt x="0" y="650788"/>
+                </a:lnTo>
+                <a:lnTo>
+                  <a:pt x="0" y="325394"/>
+                </a:lnTo>
+                <a:close/>
+              </a:path>
+            </a:pathLst>
+          </a:custGeom>
+          <a:solidFill>
+            <a:srgbClr val="6D4C41"/>
+          </a:solidFill>
+          <a:ln>
+            <a:noFill/>
+          </a:ln>
+        </p:spPr>
+        <p:style>
+          <a:lnRef idx="2">
+            <a:schemeClr val="accent1">
+              <a:shade val="50000"/>
+            </a:schemeClr>
+          </a:lnRef>
+          <a:fillRef idx="1">
+            <a:schemeClr val="accent1"/>
+          </a:fillRef>
+          <a:effectRef idx="0">
+            <a:schemeClr val="accent1"/>
+          </a:effectRef>
+          <a:fontRef idx="minor">
+            <a:schemeClr val="lt1"/>
+          </a:fontRef>
+        </p:style>
+        <p:txBody>
+          <a:bodyPr wrap="square" rtlCol="0" anchor="ctr">
+            <a:noAutofit/>
+          </a:bodyPr>
+          <a:lstStyle/>
+          <a:p>
+            <a:pPr algn="ctr"/>
+            <a:endParaRPr lang="en-US"/>
+          </a:p>
+        </p:txBody>
+      </p:sp>
     </p:spTree>
     <p:extLst>
       <p:ext uri="{BB962C8B-B14F-4D97-AF65-F5344CB8AC3E}">

--- a/img/graphics.pptx
+++ b/img/graphics.pptx
@@ -121,7 +121,7 @@
 <file path=ppt/revisionInfo.xml><?xml version="1.0" encoding="utf-8"?>
 <p1510:revInfo xmlns:a="http://schemas.openxmlformats.org/drawingml/2006/main" xmlns:r="http://schemas.openxmlformats.org/officeDocument/2006/relationships" xmlns:p1510="http://schemas.microsoft.com/office/powerpoint/2015/10/main">
   <p1510:revLst>
-    <p1510:client id="{83882230-A043-4E24-8FB6-2C81627A8FB5}" v="81" dt="2022-06-07T18:21:56.693"/>
+    <p1510:client id="{83882230-A043-4E24-8FB6-2C81627A8FB5}" v="84" dt="2022-06-24T17:20:47.431"/>
   </p1510:revLst>
 </p1510:revInfo>
 </file>
@@ -131,7 +131,7 @@
   <pc:docChgLst>
     <pc:chgData name="James Madden (Student)" userId="ff286c32-06bc-431e-99c4-3bafd8948ef0" providerId="ADAL" clId="{83882230-A043-4E24-8FB6-2C81627A8FB5}"/>
     <pc:docChg chg="undo custSel addSld modSld sldOrd">
-      <pc:chgData name="James Madden (Student)" userId="ff286c32-06bc-431e-99c4-3bafd8948ef0" providerId="ADAL" clId="{83882230-A043-4E24-8FB6-2C81627A8FB5}" dt="2022-06-07T18:22:00.976" v="571" actId="1076"/>
+      <pc:chgData name="James Madden (Student)" userId="ff286c32-06bc-431e-99c4-3bafd8948ef0" providerId="ADAL" clId="{83882230-A043-4E24-8FB6-2C81627A8FB5}" dt="2022-06-24T17:20:47.430" v="588" actId="164"/>
       <pc:docMkLst>
         <pc:docMk/>
       </pc:docMkLst>
@@ -286,7 +286,7 @@
         </pc:spChg>
       </pc:sldChg>
       <pc:sldChg chg="addSp delSp modSp new mod setBg">
-        <pc:chgData name="James Madden (Student)" userId="ff286c32-06bc-431e-99c4-3bafd8948ef0" providerId="ADAL" clId="{83882230-A043-4E24-8FB6-2C81627A8FB5}" dt="2022-05-03T18:24:25.647" v="184" actId="207"/>
+        <pc:chgData name="James Madden (Student)" userId="ff286c32-06bc-431e-99c4-3bafd8948ef0" providerId="ADAL" clId="{83882230-A043-4E24-8FB6-2C81627A8FB5}" dt="2022-06-24T17:20:47.430" v="588" actId="164"/>
         <pc:sldMkLst>
           <pc:docMk/>
           <pc:sldMk cId="1429461120" sldId="258"/>
@@ -307,6 +307,14 @@
             <ac:spMk id="3" creationId="{33972934-55BD-FF3F-89B5-B97C7BB38242}"/>
           </ac:spMkLst>
         </pc:spChg>
+        <pc:spChg chg="add mod">
+          <ac:chgData name="James Madden (Student)" userId="ff286c32-06bc-431e-99c4-3bafd8948ef0" providerId="ADAL" clId="{83882230-A043-4E24-8FB6-2C81627A8FB5}" dt="2022-06-24T17:20:41.717" v="586" actId="164"/>
+          <ac:spMkLst>
+            <pc:docMk/>
+            <pc:sldMk cId="1429461120" sldId="258"/>
+            <ac:spMk id="3" creationId="{8867FE39-AD54-A573-2C97-12455EDCA4B3}"/>
+          </ac:spMkLst>
+        </pc:spChg>
         <pc:spChg chg="add del mod">
           <ac:chgData name="James Madden (Student)" userId="ff286c32-06bc-431e-99c4-3bafd8948ef0" providerId="ADAL" clId="{83882230-A043-4E24-8FB6-2C81627A8FB5}" dt="2022-05-03T18:05:51.147" v="124" actId="478"/>
           <ac:spMkLst>
@@ -315,6 +323,14 @@
             <ac:spMk id="4" creationId="{B3B85C56-E2BB-F159-FB2F-1CC99AC2D4D7}"/>
           </ac:spMkLst>
         </pc:spChg>
+        <pc:spChg chg="add mod">
+          <ac:chgData name="James Madden (Student)" userId="ff286c32-06bc-431e-99c4-3bafd8948ef0" providerId="ADAL" clId="{83882230-A043-4E24-8FB6-2C81627A8FB5}" dt="2022-06-24T17:20:41.717" v="586" actId="164"/>
+          <ac:spMkLst>
+            <pc:docMk/>
+            <pc:sldMk cId="1429461120" sldId="258"/>
+            <ac:spMk id="4" creationId="{B87EEEF5-9DEC-7308-CB00-A6F590908494}"/>
+          </ac:spMkLst>
+        </pc:spChg>
         <pc:spChg chg="add del mod">
           <ac:chgData name="James Madden (Student)" userId="ff286c32-06bc-431e-99c4-3bafd8948ef0" providerId="ADAL" clId="{83882230-A043-4E24-8FB6-2C81627A8FB5}" dt="2022-05-03T18:05:51.589" v="125" actId="478"/>
           <ac:spMkLst>
@@ -395,6 +411,14 @@
             <ac:spMk id="13" creationId="{8DA66737-D3BC-D919-D32D-B9285212A09E}"/>
           </ac:spMkLst>
         </pc:spChg>
+        <pc:spChg chg="add mod">
+          <ac:chgData name="James Madden (Student)" userId="ff286c32-06bc-431e-99c4-3bafd8948ef0" providerId="ADAL" clId="{83882230-A043-4E24-8FB6-2C81627A8FB5}" dt="2022-06-24T17:20:47.430" v="588" actId="164"/>
+          <ac:spMkLst>
+            <pc:docMk/>
+            <pc:sldMk cId="1429461120" sldId="258"/>
+            <ac:spMk id="13" creationId="{C0FE18AC-7D10-774A-D81D-498A3F6C8DC6}"/>
+          </ac:spMkLst>
+        </pc:spChg>
         <pc:spChg chg="add del mod">
           <ac:chgData name="James Madden (Student)" userId="ff286c32-06bc-431e-99c4-3bafd8948ef0" providerId="ADAL" clId="{83882230-A043-4E24-8FB6-2C81627A8FB5}" dt="2022-05-03T18:05:51.970" v="126" actId="478"/>
           <ac:spMkLst>
@@ -563,6 +587,22 @@
             <ac:spMk id="34" creationId="{AD6D02F6-FC93-4C6D-A673-9F840648DEEC}"/>
           </ac:spMkLst>
         </pc:spChg>
+        <pc:grpChg chg="add mod">
+          <ac:chgData name="James Madden (Student)" userId="ff286c32-06bc-431e-99c4-3bafd8948ef0" providerId="ADAL" clId="{83882230-A043-4E24-8FB6-2C81627A8FB5}" dt="2022-06-24T17:20:47.430" v="588" actId="164"/>
+          <ac:grpSpMkLst>
+            <pc:docMk/>
+            <pc:sldMk cId="1429461120" sldId="258"/>
+            <ac:grpSpMk id="5" creationId="{11C89D93-E53E-8215-ED79-453893E3B504}"/>
+          </ac:grpSpMkLst>
+        </pc:grpChg>
+        <pc:grpChg chg="add mod">
+          <ac:chgData name="James Madden (Student)" userId="ff286c32-06bc-431e-99c4-3bafd8948ef0" providerId="ADAL" clId="{83882230-A043-4E24-8FB6-2C81627A8FB5}" dt="2022-06-24T17:20:47.430" v="588" actId="164"/>
+          <ac:grpSpMkLst>
+            <pc:docMk/>
+            <pc:sldMk cId="1429461120" sldId="258"/>
+            <ac:grpSpMk id="6" creationId="{57730ED8-BA2C-830D-6098-B13C2DAA1B24}"/>
+          </ac:grpSpMkLst>
+        </pc:grpChg>
       </pc:sldChg>
       <pc:sldChg chg="addSp modSp new mod">
         <pc:chgData name="James Madden (Student)" userId="ff286c32-06bc-431e-99c4-3bafd8948ef0" providerId="ADAL" clId="{83882230-A043-4E24-8FB6-2C81627A8FB5}" dt="2022-05-04T17:32:52.504" v="369" actId="170"/>
@@ -1432,7 +1472,7 @@
           <a:p>
             <a:fld id="{87192564-AF7F-4B01-88E1-752DF6157467}" type="datetimeFigureOut">
               <a:rPr lang="en-US" smtClean="0"/>
-              <a:t>6/7/2022</a:t>
+              <a:t>6/24/2022</a:t>
             </a:fld>
             <a:endParaRPr lang="en-US"/>
           </a:p>
@@ -1602,7 +1642,7 @@
           <a:p>
             <a:fld id="{87192564-AF7F-4B01-88E1-752DF6157467}" type="datetimeFigureOut">
               <a:rPr lang="en-US" smtClean="0"/>
-              <a:t>6/7/2022</a:t>
+              <a:t>6/24/2022</a:t>
             </a:fld>
             <a:endParaRPr lang="en-US"/>
           </a:p>
@@ -1782,7 +1822,7 @@
           <a:p>
             <a:fld id="{87192564-AF7F-4B01-88E1-752DF6157467}" type="datetimeFigureOut">
               <a:rPr lang="en-US" smtClean="0"/>
-              <a:t>6/7/2022</a:t>
+              <a:t>6/24/2022</a:t>
             </a:fld>
             <a:endParaRPr lang="en-US"/>
           </a:p>
@@ -1952,7 +1992,7 @@
           <a:p>
             <a:fld id="{87192564-AF7F-4B01-88E1-752DF6157467}" type="datetimeFigureOut">
               <a:rPr lang="en-US" smtClean="0"/>
-              <a:t>6/7/2022</a:t>
+              <a:t>6/24/2022</a:t>
             </a:fld>
             <a:endParaRPr lang="en-US"/>
           </a:p>
@@ -2196,7 +2236,7 @@
           <a:p>
             <a:fld id="{87192564-AF7F-4B01-88E1-752DF6157467}" type="datetimeFigureOut">
               <a:rPr lang="en-US" smtClean="0"/>
-              <a:t>6/7/2022</a:t>
+              <a:t>6/24/2022</a:t>
             </a:fld>
             <a:endParaRPr lang="en-US"/>
           </a:p>
@@ -2428,7 +2468,7 @@
           <a:p>
             <a:fld id="{87192564-AF7F-4B01-88E1-752DF6157467}" type="datetimeFigureOut">
               <a:rPr lang="en-US" smtClean="0"/>
-              <a:t>6/7/2022</a:t>
+              <a:t>6/24/2022</a:t>
             </a:fld>
             <a:endParaRPr lang="en-US"/>
           </a:p>
@@ -2795,7 +2835,7 @@
           <a:p>
             <a:fld id="{87192564-AF7F-4B01-88E1-752DF6157467}" type="datetimeFigureOut">
               <a:rPr lang="en-US" smtClean="0"/>
-              <a:t>6/7/2022</a:t>
+              <a:t>6/24/2022</a:t>
             </a:fld>
             <a:endParaRPr lang="en-US"/>
           </a:p>
@@ -2913,7 +2953,7 @@
           <a:p>
             <a:fld id="{87192564-AF7F-4B01-88E1-752DF6157467}" type="datetimeFigureOut">
               <a:rPr lang="en-US" smtClean="0"/>
-              <a:t>6/7/2022</a:t>
+              <a:t>6/24/2022</a:t>
             </a:fld>
             <a:endParaRPr lang="en-US"/>
           </a:p>
@@ -3008,7 +3048,7 @@
           <a:p>
             <a:fld id="{87192564-AF7F-4B01-88E1-752DF6157467}" type="datetimeFigureOut">
               <a:rPr lang="en-US" smtClean="0"/>
-              <a:t>6/7/2022</a:t>
+              <a:t>6/24/2022</a:t>
             </a:fld>
             <a:endParaRPr lang="en-US"/>
           </a:p>
@@ -3285,7 +3325,7 @@
           <a:p>
             <a:fld id="{87192564-AF7F-4B01-88E1-752DF6157467}" type="datetimeFigureOut">
               <a:rPr lang="en-US" smtClean="0"/>
-              <a:t>6/7/2022</a:t>
+              <a:t>6/24/2022</a:t>
             </a:fld>
             <a:endParaRPr lang="en-US"/>
           </a:p>
@@ -3542,7 +3582,7 @@
           <a:p>
             <a:fld id="{87192564-AF7F-4B01-88E1-752DF6157467}" type="datetimeFigureOut">
               <a:rPr lang="en-US" smtClean="0"/>
-              <a:t>6/7/2022</a:t>
+              <a:t>6/24/2022</a:t>
             </a:fld>
             <a:endParaRPr lang="en-US"/>
           </a:p>
@@ -3755,7 +3795,7 @@
           <a:p>
             <a:fld id="{87192564-AF7F-4B01-88E1-752DF6157467}" type="datetimeFigureOut">
               <a:rPr lang="en-US" smtClean="0"/>
-              <a:t>6/7/2022</a:t>
+              <a:t>6/24/2022</a:t>
             </a:fld>
             <a:endParaRPr lang="en-US"/>
           </a:p>
@@ -5378,6 +5418,210 @@
           </a:p>
         </p:txBody>
       </p:sp>
+      <p:grpSp>
+        <p:nvGrpSpPr>
+          <p:cNvPr id="6" name="Group 5">
+            <a:extLst>
+              <a:ext uri="{FF2B5EF4-FFF2-40B4-BE49-F238E27FC236}">
+                <a16:creationId xmlns:a16="http://schemas.microsoft.com/office/drawing/2014/main" id="{57730ED8-BA2C-830D-6098-B13C2DAA1B24}"/>
+              </a:ext>
+            </a:extLst>
+          </p:cNvPr>
+          <p:cNvGrpSpPr/>
+          <p:nvPr/>
+        </p:nvGrpSpPr>
+        <p:grpSpPr>
+          <a:xfrm>
+            <a:off x="2209800" y="4912605"/>
+            <a:ext cx="2438400" cy="2438400"/>
+            <a:chOff x="2209800" y="4912605"/>
+            <a:chExt cx="2438400" cy="2438400"/>
+          </a:xfrm>
+        </p:grpSpPr>
+        <p:sp>
+          <p:nvSpPr>
+            <p:cNvPr id="13" name="Oval 12">
+              <a:extLst>
+                <a:ext uri="{FF2B5EF4-FFF2-40B4-BE49-F238E27FC236}">
+                  <a16:creationId xmlns:a16="http://schemas.microsoft.com/office/drawing/2014/main" id="{C0FE18AC-7D10-774A-D81D-498A3F6C8DC6}"/>
+                </a:ext>
+              </a:extLst>
+            </p:cNvPr>
+            <p:cNvSpPr/>
+            <p:nvPr/>
+          </p:nvSpPr>
+          <p:spPr>
+            <a:xfrm>
+              <a:off x="2209800" y="4912605"/>
+              <a:ext cx="2438400" cy="2438400"/>
+            </a:xfrm>
+            <a:prstGeom prst="ellipse">
+              <a:avLst/>
+            </a:prstGeom>
+            <a:solidFill>
+              <a:srgbClr val="FFCC80"/>
+            </a:solidFill>
+            <a:ln w="76200">
+              <a:noFill/>
+            </a:ln>
+          </p:spPr>
+          <p:style>
+            <a:lnRef idx="2">
+              <a:schemeClr val="accent1">
+                <a:shade val="50000"/>
+              </a:schemeClr>
+            </a:lnRef>
+            <a:fillRef idx="1">
+              <a:schemeClr val="accent1"/>
+            </a:fillRef>
+            <a:effectRef idx="0">
+              <a:schemeClr val="accent1"/>
+            </a:effectRef>
+            <a:fontRef idx="minor">
+              <a:schemeClr val="lt1"/>
+            </a:fontRef>
+          </p:style>
+          <p:txBody>
+            <a:bodyPr rtlCol="0" anchor="ctr"/>
+            <a:lstStyle/>
+            <a:p>
+              <a:pPr algn="ctr"/>
+              <a:endParaRPr lang="en-US" sz="2800" dirty="0">
+                <a:solidFill>
+                  <a:schemeClr val="tx1"/>
+                </a:solidFill>
+                <a:latin typeface="Georgia Pro Semibold" panose="020B0604020202020204" pitchFamily="18" charset="0"/>
+                <a:cs typeface="Times New Roman" panose="02020603050405020304" pitchFamily="18" charset="0"/>
+              </a:endParaRPr>
+            </a:p>
+          </p:txBody>
+        </p:sp>
+        <p:grpSp>
+          <p:nvGrpSpPr>
+            <p:cNvPr id="5" name="Group 4">
+              <a:extLst>
+                <a:ext uri="{FF2B5EF4-FFF2-40B4-BE49-F238E27FC236}">
+                  <a16:creationId xmlns:a16="http://schemas.microsoft.com/office/drawing/2014/main" id="{11C89D93-E53E-8215-ED79-453893E3B504}"/>
+                </a:ext>
+              </a:extLst>
+            </p:cNvPr>
+            <p:cNvGrpSpPr/>
+            <p:nvPr/>
+          </p:nvGrpSpPr>
+          <p:grpSpPr>
+            <a:xfrm>
+              <a:off x="3005358" y="5332852"/>
+              <a:ext cx="847283" cy="1597905"/>
+              <a:chOff x="3005358" y="5260095"/>
+              <a:chExt cx="847283" cy="1597905"/>
+            </a:xfrm>
+          </p:grpSpPr>
+          <p:sp>
+            <p:nvSpPr>
+              <p:cNvPr id="3" name="Trapezoid 2">
+                <a:extLst>
+                  <a:ext uri="{FF2B5EF4-FFF2-40B4-BE49-F238E27FC236}">
+                    <a16:creationId xmlns:a16="http://schemas.microsoft.com/office/drawing/2014/main" id="{8867FE39-AD54-A573-2C97-12455EDCA4B3}"/>
+                  </a:ext>
+                </a:extLst>
+              </p:cNvPr>
+              <p:cNvSpPr/>
+              <p:nvPr/>
+            </p:nvSpPr>
+            <p:spPr>
+              <a:xfrm>
+                <a:off x="3025775" y="6010717"/>
+                <a:ext cx="806450" cy="847283"/>
+              </a:xfrm>
+              <a:prstGeom prst="trapezoid">
+                <a:avLst/>
+              </a:prstGeom>
+              <a:solidFill>
+                <a:srgbClr val="546E7A"/>
+              </a:solidFill>
+              <a:ln>
+                <a:noFill/>
+              </a:ln>
+            </p:spPr>
+            <p:style>
+              <a:lnRef idx="2">
+                <a:schemeClr val="accent1">
+                  <a:shade val="50000"/>
+                </a:schemeClr>
+              </a:lnRef>
+              <a:fillRef idx="1">
+                <a:schemeClr val="accent1"/>
+              </a:fillRef>
+              <a:effectRef idx="0">
+                <a:schemeClr val="accent1"/>
+              </a:effectRef>
+              <a:fontRef idx="minor">
+                <a:schemeClr val="lt1"/>
+              </a:fontRef>
+            </p:style>
+            <p:txBody>
+              <a:bodyPr rtlCol="0" anchor="ctr"/>
+              <a:lstStyle/>
+              <a:p>
+                <a:pPr algn="ctr"/>
+                <a:endParaRPr lang="en-US"/>
+              </a:p>
+            </p:txBody>
+          </p:sp>
+          <p:sp>
+            <p:nvSpPr>
+              <p:cNvPr id="4" name="Oval 3">
+                <a:extLst>
+                  <a:ext uri="{FF2B5EF4-FFF2-40B4-BE49-F238E27FC236}">
+                    <a16:creationId xmlns:a16="http://schemas.microsoft.com/office/drawing/2014/main" id="{B87EEEF5-9DEC-7308-CB00-A6F590908494}"/>
+                  </a:ext>
+                </a:extLst>
+              </p:cNvPr>
+              <p:cNvSpPr/>
+              <p:nvPr/>
+            </p:nvSpPr>
+            <p:spPr>
+              <a:xfrm>
+                <a:off x="3005358" y="5260095"/>
+                <a:ext cx="847283" cy="847283"/>
+              </a:xfrm>
+              <a:prstGeom prst="ellipse">
+                <a:avLst/>
+              </a:prstGeom>
+              <a:solidFill>
+                <a:srgbClr val="546E7A"/>
+              </a:solidFill>
+              <a:ln>
+                <a:noFill/>
+              </a:ln>
+            </p:spPr>
+            <p:style>
+              <a:lnRef idx="2">
+                <a:schemeClr val="accent1">
+                  <a:shade val="50000"/>
+                </a:schemeClr>
+              </a:lnRef>
+              <a:fillRef idx="1">
+                <a:schemeClr val="accent1"/>
+              </a:fillRef>
+              <a:effectRef idx="0">
+                <a:schemeClr val="accent1"/>
+              </a:effectRef>
+              <a:fontRef idx="minor">
+                <a:schemeClr val="lt1"/>
+              </a:fontRef>
+            </p:style>
+            <p:txBody>
+              <a:bodyPr rtlCol="0" anchor="ctr"/>
+              <a:lstStyle/>
+              <a:p>
+                <a:pPr algn="ctr"/>
+                <a:endParaRPr lang="en-US"/>
+              </a:p>
+            </p:txBody>
+          </p:sp>
+        </p:grpSp>
+      </p:grpSp>
     </p:spTree>
     <p:extLst>
       <p:ext uri="{BB962C8B-B14F-4D97-AF65-F5344CB8AC3E}">
